--- a/Memoria/TFM_TAII_back.pptx
+++ b/Memoria/TFM_TAII_back.pptx
@@ -243,7 +243,7 @@
   </p:defaultTextStyle>
   <p:extLst>
     <p:ext uri="{EFAFB233-063F-42B5-8137-9DF3F51BA10A}">
-      <p15:sldGuideLst xmlns:p15="http://schemas.microsoft.com/office/powerpoint/2012/main" xmlns:p14="http://schemas.microsoft.com/office/powerpoint/2010/main" xmlns:com="http://schemas.openxmlformats.org/drawingml/2006/compatibility" xmlns:pvml="urn:schemas-microsoft-com:office:powerpoint" xmlns:v="urn:schemas-microsoft-com:vml" xmlns:o="urn:schemas-microsoft-com:office:office" xmlns:dgm="http://schemas.openxmlformats.org/drawingml/2006/diagram" xmlns:c="http://schemas.openxmlformats.org/drawingml/2006/chart" xmlns:mv="urn:schemas-microsoft-com:mac:vml" xmlns:mc="http://schemas.openxmlformats.org/markup-compatibility/2006" xmlns="">
+      <p15:sldGuideLst xmlns:p15="http://schemas.microsoft.com/office/powerpoint/2012/main">
         <p15:guide id="1" orient="horz" pos="3120">
           <p15:clr>
             <a:srgbClr val="A4A3A4"/>
@@ -258,6 +258,14 @@
     </p:ext>
   </p:extLst>
 </p:presentation>
+</file>
+
+<file path=ppt/revisionInfo.xml><?xml version="1.0" encoding="utf-8"?>
+<p1510:revInfo xmlns:a="http://schemas.openxmlformats.org/drawingml/2006/main" xmlns:r="http://schemas.openxmlformats.org/officeDocument/2006/relationships" xmlns:p1510="http://schemas.microsoft.com/office/powerpoint/2015/10/main">
+  <p1510:revLst>
+    <p1510:client id="{0363CFEC-0007-469A-9C29-54DB755534E5}" v="6" dt="2023-03-01T15:25:52.117"/>
+  </p1510:revLst>
+</p1510:revInfo>
 </file>
 
 <file path=ppt/notesMasters/notesMaster1.xml><?xml version="1.0" encoding="utf-8"?>
@@ -1793,7 +1801,7 @@
                 </a:spcAft>
                 <a:buNone/>
               </a:pPr>
-              <a:t>‹Nº›</a:t>
+              <a:t>‹#›</a:t>
             </a:fld>
             <a:endParaRPr/>
           </a:p>
@@ -2797,7 +2805,7 @@
                 </a:spcAft>
                 <a:buNone/>
               </a:pPr>
-              <a:t>‹Nº›</a:t>
+              <a:t>‹#›</a:t>
             </a:fld>
             <a:endParaRPr/>
           </a:p>
@@ -3801,7 +3809,7 @@
                 </a:spcAft>
                 <a:buNone/>
               </a:pPr>
-              <a:t>‹Nº›</a:t>
+              <a:t>‹#›</a:t>
             </a:fld>
             <a:endParaRPr/>
           </a:p>
@@ -4805,7 +4813,7 @@
                 </a:spcAft>
                 <a:buNone/>
               </a:pPr>
-              <a:t>‹Nº›</a:t>
+              <a:t>‹#›</a:t>
             </a:fld>
             <a:endParaRPr/>
           </a:p>
@@ -5809,7 +5817,7 @@
                 </a:spcAft>
                 <a:buNone/>
               </a:pPr>
-              <a:t>‹Nº›</a:t>
+              <a:t>‹#›</a:t>
             </a:fld>
             <a:endParaRPr/>
           </a:p>
@@ -7052,7 +7060,7 @@
                 </a:spcAft>
                 <a:buNone/>
               </a:pPr>
-              <a:t>‹Nº›</a:t>
+              <a:t>‹#›</a:t>
             </a:fld>
             <a:endParaRPr/>
           </a:p>
@@ -8773,7 +8781,7 @@
                 </a:spcAft>
                 <a:buNone/>
               </a:pPr>
-              <a:t>‹Nº›</a:t>
+              <a:t>‹#›</a:t>
             </a:fld>
             <a:endParaRPr/>
           </a:p>
@@ -9538,7 +9546,7 @@
                 </a:spcAft>
                 <a:buNone/>
               </a:pPr>
-              <a:t>‹Nº›</a:t>
+              <a:t>‹#›</a:t>
             </a:fld>
             <a:endParaRPr/>
           </a:p>
@@ -10160,7 +10168,7 @@
                 </a:spcAft>
                 <a:buNone/>
               </a:pPr>
-              <a:t>‹Nº›</a:t>
+              <a:t>‹#›</a:t>
             </a:fld>
             <a:endParaRPr/>
           </a:p>
@@ -11403,7 +11411,7 @@
                 </a:spcAft>
                 <a:buNone/>
               </a:pPr>
-              <a:t>‹Nº›</a:t>
+              <a:t>‹#›</a:t>
             </a:fld>
             <a:endParaRPr/>
           </a:p>
@@ -12646,7 +12654,7 @@
                 </a:spcAft>
                 <a:buNone/>
               </a:pPr>
-              <a:t>‹Nº›</a:t>
+              <a:t>‹#›</a:t>
             </a:fld>
             <a:endParaRPr/>
           </a:p>
@@ -13660,7 +13668,7 @@
                 </a:spcAft>
                 <a:buNone/>
               </a:pPr>
-              <a:t>‹Nº›</a:t>
+              <a:t>‹#›</a:t>
             </a:fld>
             <a:endParaRPr/>
           </a:p>
@@ -14504,8 +14512,8 @@
           <p:nvPr/>
         </p:nvSpPr>
         <p:spPr>
-          <a:xfrm rot="-5400000">
-            <a:off x="2003498" y="3958475"/>
+          <a:xfrm rot="16200000">
+            <a:off x="901319" y="3985689"/>
             <a:ext cx="9921600" cy="1989000"/>
           </a:xfrm>
           <a:prstGeom prst="rect">
@@ -14668,24 +14676,36 @@
           </a:bodyPr>
           <a:lstStyle/>
           <a:p>
-            <a:pPr marL="0" marR="0" lvl="0" indent="0" algn="just" rtl="0">
-              <a:spcBef>
-                <a:spcPts val="0"/>
-              </a:spcBef>
-              <a:spcAft>
-                <a:spcPts val="0"/>
-              </a:spcAft>
-              <a:buNone/>
-            </a:pPr>
+            <a:pPr algn="just"/>
             <a:r>
               <a:rPr lang="es-ES" sz="1100" b="1" dirty="0">
                 <a:solidFill>
                   <a:schemeClr val="dk1"/>
                 </a:solidFill>
               </a:rPr>
-              <a:t>MÁSTER EN TECNOLOGÍAS Y APLICACIONES EN INGENIERÍA INFORMÁTICA</a:t>
+              <a:t>MÁSTER EN TECNOLOGÍAS Y APLICACIONES EN INGENIERÍA</a:t>
             </a:r>
-            <a:endParaRPr sz="1100" b="1" dirty="0"/>
+            <a:endParaRPr lang="en-US" sz="1100" b="1" dirty="0">
+              <a:solidFill>
+                <a:schemeClr val="dk1"/>
+              </a:solidFill>
+            </a:endParaRPr>
+          </a:p>
+          <a:p>
+            <a:pPr algn="just"/>
+            <a:r>
+              <a:rPr lang="es-ES" sz="1100" b="1" dirty="0">
+                <a:solidFill>
+                  <a:schemeClr val="dk1"/>
+                </a:solidFill>
+              </a:rPr>
+              <a:t>INFORMÁTICA</a:t>
+            </a:r>
+            <a:endParaRPr sz="1100" b="1" dirty="0">
+              <a:solidFill>
+                <a:schemeClr val="dk1"/>
+              </a:solidFill>
+            </a:endParaRPr>
           </a:p>
         </p:txBody>
       </p:sp>
@@ -14704,7 +14724,7 @@
         </p:blipFill>
         <p:spPr>
           <a:xfrm>
-            <a:off x="6361702" y="8412025"/>
+            <a:off x="5259523" y="8412025"/>
             <a:ext cx="1231600" cy="1206100"/>
           </a:xfrm>
           <a:prstGeom prst="rect">
